--- a/2_J2EE.pptx
+++ b/2_J2EE.pptx
@@ -7633,36 +7633,6 @@
           </a:p>
         </p:txBody>
       </p:sp>
-      <p:pic>
-        <p:nvPicPr>
-          <p:cNvPr id="7" name="Picture 6">
-            <a:extLst>
-              <a:ext uri="{FF2B5EF4-FFF2-40B4-BE49-F238E27FC236}">
-                <a16:creationId xmlns:a16="http://schemas.microsoft.com/office/drawing/2014/main" id="{2A2A2564-8114-48E5-8A21-62A89FC5CAC3}"/>
-              </a:ext>
-            </a:extLst>
-          </p:cNvPr>
-          <p:cNvPicPr>
-            <a:picLocks noChangeAspect="1"/>
-          </p:cNvPicPr>
-          <p:nvPr/>
-        </p:nvPicPr>
-        <p:blipFill>
-          <a:blip r:embed="rId5"/>
-          <a:stretch>
-            <a:fillRect/>
-          </a:stretch>
-        </p:blipFill>
-        <p:spPr>
-          <a:xfrm>
-            <a:off x="2452687" y="1914525"/>
-            <a:ext cx="7286625" cy="3028950"/>
-          </a:xfrm>
-          <a:prstGeom prst="rect">
-            <a:avLst/>
-          </a:prstGeom>
-        </p:spPr>
-      </p:pic>
     </p:spTree>
     <p:extLst>
       <p:ext uri="{BB962C8B-B14F-4D97-AF65-F5344CB8AC3E}">
@@ -8183,15 +8153,7 @@
             </a:r>
             <a:r>
               <a:rPr lang="en-US" dirty="0"/>
-              <a:t> </a:t>
-            </a:r>
-            <a:r>
-              <a:rPr lang="en-US"/>
-              <a:t>to learn: MongoDB</a:t>
-            </a:r>
-            <a:r>
-              <a:rPr lang="en-US" dirty="0"/>
-              <a:t>, Cassandra, Couchbase, Redis</a:t>
+              <a:t> to learn: MongoDB, Cassandra, Couchbase, Redis</a:t>
             </a:r>
           </a:p>
         </p:txBody>
